--- a/Materjalid/Vehstory.pptx
+++ b/Materjalid/Vehstory.pptx
@@ -110,6 +110,11 @@
       </a:defRPr>
     </a:lvl9pPr>
   </p:defaultTextStyle>
+  <p:extLst>
+    <p:ext uri="{EFAFB233-063F-42B5-8137-9DF3F51BA10A}">
+      <p15:sldGuideLst xmlns:p15="http://schemas.microsoft.com/office/powerpoint/2012/main"/>
+    </p:ext>
+  </p:extLst>
 </p:presentation>
 </file>
 
@@ -262,7 +267,7 @@
           <a:p>
             <a:fld id="{8D54D28B-BD23-4166-B9FE-37027E5EC0DC}" type="datetimeFigureOut">
               <a:rPr lang="et-EE" smtClean="0"/>
-              <a:t>23.11.2020</a:t>
+              <a:t>25.11.2020</a:t>
             </a:fld>
             <a:endParaRPr lang="et-EE"/>
           </a:p>
@@ -462,7 +467,7 @@
           <a:p>
             <a:fld id="{8D54D28B-BD23-4166-B9FE-37027E5EC0DC}" type="datetimeFigureOut">
               <a:rPr lang="et-EE" smtClean="0"/>
-              <a:t>23.11.2020</a:t>
+              <a:t>25.11.2020</a:t>
             </a:fld>
             <a:endParaRPr lang="et-EE"/>
           </a:p>
@@ -672,7 +677,7 @@
           <a:p>
             <a:fld id="{8D54D28B-BD23-4166-B9FE-37027E5EC0DC}" type="datetimeFigureOut">
               <a:rPr lang="et-EE" smtClean="0"/>
-              <a:t>23.11.2020</a:t>
+              <a:t>25.11.2020</a:t>
             </a:fld>
             <a:endParaRPr lang="et-EE"/>
           </a:p>
@@ -872,7 +877,7 @@
           <a:p>
             <a:fld id="{8D54D28B-BD23-4166-B9FE-37027E5EC0DC}" type="datetimeFigureOut">
               <a:rPr lang="et-EE" smtClean="0"/>
-              <a:t>23.11.2020</a:t>
+              <a:t>25.11.2020</a:t>
             </a:fld>
             <a:endParaRPr lang="et-EE"/>
           </a:p>
@@ -1148,7 +1153,7 @@
           <a:p>
             <a:fld id="{8D54D28B-BD23-4166-B9FE-37027E5EC0DC}" type="datetimeFigureOut">
               <a:rPr lang="et-EE" smtClean="0"/>
-              <a:t>23.11.2020</a:t>
+              <a:t>25.11.2020</a:t>
             </a:fld>
             <a:endParaRPr lang="et-EE"/>
           </a:p>
@@ -1416,7 +1421,7 @@
           <a:p>
             <a:fld id="{8D54D28B-BD23-4166-B9FE-37027E5EC0DC}" type="datetimeFigureOut">
               <a:rPr lang="et-EE" smtClean="0"/>
-              <a:t>23.11.2020</a:t>
+              <a:t>25.11.2020</a:t>
             </a:fld>
             <a:endParaRPr lang="et-EE"/>
           </a:p>
@@ -1831,7 +1836,7 @@
           <a:p>
             <a:fld id="{8D54D28B-BD23-4166-B9FE-37027E5EC0DC}" type="datetimeFigureOut">
               <a:rPr lang="et-EE" smtClean="0"/>
-              <a:t>23.11.2020</a:t>
+              <a:t>25.11.2020</a:t>
             </a:fld>
             <a:endParaRPr lang="et-EE"/>
           </a:p>
@@ -1973,7 +1978,7 @@
           <a:p>
             <a:fld id="{8D54D28B-BD23-4166-B9FE-37027E5EC0DC}" type="datetimeFigureOut">
               <a:rPr lang="et-EE" smtClean="0"/>
-              <a:t>23.11.2020</a:t>
+              <a:t>25.11.2020</a:t>
             </a:fld>
             <a:endParaRPr lang="et-EE"/>
           </a:p>
@@ -2086,7 +2091,7 @@
           <a:p>
             <a:fld id="{8D54D28B-BD23-4166-B9FE-37027E5EC0DC}" type="datetimeFigureOut">
               <a:rPr lang="et-EE" smtClean="0"/>
-              <a:t>23.11.2020</a:t>
+              <a:t>25.11.2020</a:t>
             </a:fld>
             <a:endParaRPr lang="et-EE"/>
           </a:p>
@@ -2399,7 +2404,7 @@
           <a:p>
             <a:fld id="{8D54D28B-BD23-4166-B9FE-37027E5EC0DC}" type="datetimeFigureOut">
               <a:rPr lang="et-EE" smtClean="0"/>
-              <a:t>23.11.2020</a:t>
+              <a:t>25.11.2020</a:t>
             </a:fld>
             <a:endParaRPr lang="et-EE"/>
           </a:p>
@@ -2688,7 +2693,7 @@
           <a:p>
             <a:fld id="{8D54D28B-BD23-4166-B9FE-37027E5EC0DC}" type="datetimeFigureOut">
               <a:rPr lang="et-EE" smtClean="0"/>
-              <a:t>23.11.2020</a:t>
+              <a:t>25.11.2020</a:t>
             </a:fld>
             <a:endParaRPr lang="et-EE"/>
           </a:p>
@@ -2931,7 +2936,7 @@
           <a:p>
             <a:fld id="{8D54D28B-BD23-4166-B9FE-37027E5EC0DC}" type="datetimeFigureOut">
               <a:rPr lang="et-EE" smtClean="0"/>
-              <a:t>23.11.2020</a:t>
+              <a:t>25.11.2020</a:t>
             </a:fld>
             <a:endParaRPr lang="et-EE"/>
           </a:p>
@@ -10986,7 +10991,7 @@
         <p:spPr/>
         <p:txBody>
           <a:bodyPr>
-            <a:normAutofit fontScale="47500" lnSpcReduction="20000"/>
+            <a:normAutofit fontScale="40000" lnSpcReduction="20000"/>
           </a:bodyPr>
           <a:lstStyle/>
           <a:p>
@@ -11438,6 +11443,63 @@
               <a:rPr lang="en-GB" dirty="0"/>
               <a:t> read</a:t>
             </a:r>
+          </a:p>
+          <a:p>
+            <a:pPr marL="457200" indent="-457200">
+              <a:buFont typeface="+mj-lt"/>
+              <a:buAutoNum type="arabicPeriod"/>
+            </a:pPr>
+            <a:r>
+              <a:rPr lang="en-GB" dirty="0" err="1"/>
+              <a:t>Hooldusvälpade</a:t>
+            </a:r>
+            <a:r>
+              <a:rPr lang="en-GB" dirty="0"/>
+              <a:t> vaatamine </a:t>
+            </a:r>
+            <a:r>
+              <a:rPr lang="en-GB" dirty="0" err="1"/>
+              <a:t>ja</a:t>
+            </a:r>
+            <a:r>
+              <a:rPr lang="en-GB" dirty="0"/>
+              <a:t> </a:t>
+            </a:r>
+            <a:r>
+              <a:rPr lang="en-GB" dirty="0" err="1"/>
+              <a:t>registreerimine</a:t>
+            </a:r>
+            <a:r>
+              <a:rPr lang="en-GB" dirty="0"/>
+              <a:t> - </a:t>
+            </a:r>
+            <a:r>
+              <a:rPr lang="en-GB" dirty="0" err="1"/>
+              <a:t>andmebaasi</a:t>
+            </a:r>
+            <a:r>
+              <a:rPr lang="en-GB" dirty="0"/>
+              <a:t> tabel “</a:t>
+            </a:r>
+            <a:r>
+              <a:rPr lang="en-GB" dirty="0" err="1"/>
+              <a:t>valitud_hooldused</a:t>
+            </a:r>
+            <a:r>
+              <a:rPr lang="en-GB" dirty="0"/>
+              <a:t>”</a:t>
+            </a:r>
+          </a:p>
+          <a:p>
+            <a:pPr marL="914400" lvl="1" indent="-457200">
+              <a:buFont typeface="+mj-lt"/>
+              <a:buAutoNum type="arabicPeriod"/>
+            </a:pPr>
+            <a:r>
+              <a:rPr lang="en-GB" dirty="0" err="1"/>
+              <a:t>põhivaade</a:t>
+            </a:r>
+            <a:endParaRPr lang="en-GB" dirty="0"/>
           </a:p>
           <a:p>
             <a:pPr marL="457200" indent="-457200">
